--- a/assets/Presentation_wang_peiyu.pptx
+++ b/assets/Presentation_wang_peiyu.pptx
@@ -8,10 +8,11 @@
     <p:sldId id="256" r:id="rId2"/>
     <p:sldId id="257" r:id="rId3"/>
     <p:sldId id="259" r:id="rId4"/>
-    <p:sldId id="258" r:id="rId5"/>
-    <p:sldId id="260" r:id="rId6"/>
-    <p:sldId id="261" r:id="rId7"/>
-    <p:sldId id="262" r:id="rId8"/>
+    <p:sldId id="263" r:id="rId5"/>
+    <p:sldId id="258" r:id="rId6"/>
+    <p:sldId id="260" r:id="rId7"/>
+    <p:sldId id="261" r:id="rId8"/>
+    <p:sldId id="262" r:id="rId9"/>
   </p:sldIdLst>
   <p:sldSz cx="12192000" cy="6858000"/>
   <p:notesSz cx="6858000" cy="9144000"/>
@@ -110,6 +111,11 @@
       </a:defRPr>
     </a:lvl9pPr>
   </p:defaultTextStyle>
+  <p:extLst>
+    <p:ext uri="{EFAFB233-063F-42B5-8137-9DF3F51BA10A}">
+      <p15:sldGuideLst xmlns:p15="http://schemas.microsoft.com/office/powerpoint/2012/main"/>
+    </p:ext>
+  </p:extLst>
 </p:presentation>
 </file>
 
@@ -3885,6 +3891,125 @@
           <p:cNvPr id="2" name="Title 1">
             <a:extLst>
               <a:ext uri="{FF2B5EF4-FFF2-40B4-BE49-F238E27FC236}">
+                <a16:creationId xmlns:a16="http://schemas.microsoft.com/office/drawing/2014/main" id="{1FFC0377-A485-314E-BCE4-865E47C83112}"/>
+              </a:ext>
+            </a:extLst>
+          </p:cNvPr>
+          <p:cNvSpPr>
+            <a:spLocks noGrp="1"/>
+          </p:cNvSpPr>
+          <p:nvPr>
+            <p:ph type="title"/>
+          </p:nvPr>
+        </p:nvSpPr>
+        <p:spPr/>
+        <p:txBody>
+          <a:bodyPr/>
+          <a:lstStyle/>
+          <a:p>
+            <a:r>
+              <a:rPr lang="en-US" dirty="0"/>
+              <a:t>Normalize the data</a:t>
+            </a:r>
+          </a:p>
+        </p:txBody>
+      </p:sp>
+      <p:sp>
+        <p:nvSpPr>
+          <p:cNvPr id="3" name="Content Placeholder 2">
+            <a:extLst>
+              <a:ext uri="{FF2B5EF4-FFF2-40B4-BE49-F238E27FC236}">
+                <a16:creationId xmlns:a16="http://schemas.microsoft.com/office/drawing/2014/main" id="{BDA951CA-CE9C-344B-A128-5BB131AD021E}"/>
+              </a:ext>
+            </a:extLst>
+          </p:cNvPr>
+          <p:cNvSpPr>
+            <a:spLocks noGrp="1"/>
+          </p:cNvSpPr>
+          <p:nvPr>
+            <p:ph idx="1"/>
+          </p:nvPr>
+        </p:nvSpPr>
+        <p:spPr/>
+        <p:txBody>
+          <a:bodyPr/>
+          <a:lstStyle/>
+          <a:p>
+            <a:r>
+              <a:rPr lang="en-US" dirty="0"/>
+              <a:t>Formula:</a:t>
+            </a:r>
+          </a:p>
+          <a:p>
+            <a:endParaRPr lang="en-US" dirty="0"/>
+          </a:p>
+        </p:txBody>
+      </p:sp>
+      <p:pic>
+        <p:nvPicPr>
+          <p:cNvPr id="5" name="Picture 4">
+            <a:extLst>
+              <a:ext uri="{FF2B5EF4-FFF2-40B4-BE49-F238E27FC236}">
+                <a16:creationId xmlns:a16="http://schemas.microsoft.com/office/drawing/2014/main" id="{611A504B-7A0D-2240-8D79-A5F9BF1BC88E}"/>
+              </a:ext>
+            </a:extLst>
+          </p:cNvPr>
+          <p:cNvPicPr>
+            <a:picLocks noChangeAspect="1"/>
+          </p:cNvPicPr>
+          <p:nvPr/>
+        </p:nvPicPr>
+        <p:blipFill>
+          <a:blip r:embed="rId2"/>
+          <a:stretch>
+            <a:fillRect/>
+          </a:stretch>
+        </p:blipFill>
+        <p:spPr>
+          <a:xfrm>
+            <a:off x="1451579" y="2990850"/>
+            <a:ext cx="10172700" cy="876300"/>
+          </a:xfrm>
+          <a:prstGeom prst="rect">
+            <a:avLst/>
+          </a:prstGeom>
+        </p:spPr>
+      </p:pic>
+    </p:spTree>
+    <p:extLst>
+      <p:ext uri="{BB962C8B-B14F-4D97-AF65-F5344CB8AC3E}">
+        <p14:creationId xmlns:p14="http://schemas.microsoft.com/office/powerpoint/2010/main" val="2742063415"/>
+      </p:ext>
+    </p:extLst>
+  </p:cSld>
+  <p:clrMapOvr>
+    <a:masterClrMapping/>
+  </p:clrMapOvr>
+</p:sld>
+</file>
+
+<file path=ppt/slides/slide5.xml><?xml version="1.0" encoding="utf-8"?>
+<p:sld xmlns:a="http://schemas.openxmlformats.org/drawingml/2006/main" xmlns:r="http://schemas.openxmlformats.org/officeDocument/2006/relationships" xmlns:p="http://schemas.openxmlformats.org/presentationml/2006/main">
+  <p:cSld>
+    <p:spTree>
+      <p:nvGrpSpPr>
+        <p:cNvPr id="1" name=""/>
+        <p:cNvGrpSpPr/>
+        <p:nvPr/>
+      </p:nvGrpSpPr>
+      <p:grpSpPr>
+        <a:xfrm>
+          <a:off x="0" y="0"/>
+          <a:ext cx="0" cy="0"/>
+          <a:chOff x="0" y="0"/>
+          <a:chExt cx="0" cy="0"/>
+        </a:xfrm>
+      </p:grpSpPr>
+      <p:sp>
+        <p:nvSpPr>
+          <p:cNvPr id="2" name="Title 1">
+            <a:extLst>
+              <a:ext uri="{FF2B5EF4-FFF2-40B4-BE49-F238E27FC236}">
                 <a16:creationId xmlns:a16="http://schemas.microsoft.com/office/drawing/2014/main" id="{60BB72CA-D7D6-7A41-A451-6CBA13E44C10}"/>
               </a:ext>
             </a:extLst>
@@ -4023,7 +4148,7 @@
 </p:sld>
 </file>
 
-<file path=ppt/slides/slide5.xml><?xml version="1.0" encoding="utf-8"?>
+<file path=ppt/slides/slide6.xml><?xml version="1.0" encoding="utf-8"?>
 <p:sld xmlns:a="http://schemas.openxmlformats.org/drawingml/2006/main" xmlns:r="http://schemas.openxmlformats.org/officeDocument/2006/relationships" xmlns:p="http://schemas.openxmlformats.org/presentationml/2006/main">
   <p:cSld>
     <p:spTree>
@@ -4180,7 +4305,7 @@
 </p:sld>
 </file>
 
-<file path=ppt/slides/slide6.xml><?xml version="1.0" encoding="utf-8"?>
+<file path=ppt/slides/slide7.xml><?xml version="1.0" encoding="utf-8"?>
 <p:sld xmlns:a="http://schemas.openxmlformats.org/drawingml/2006/main" xmlns:r="http://schemas.openxmlformats.org/officeDocument/2006/relationships" xmlns:p="http://schemas.openxmlformats.org/presentationml/2006/main">
   <p:cSld>
     <p:spTree>
@@ -4266,7 +4391,7 @@
 </p:sld>
 </file>
 
-<file path=ppt/slides/slide7.xml><?xml version="1.0" encoding="utf-8"?>
+<file path=ppt/slides/slide8.xml><?xml version="1.0" encoding="utf-8"?>
 <p:sld xmlns:a="http://schemas.openxmlformats.org/drawingml/2006/main" xmlns:r="http://schemas.openxmlformats.org/officeDocument/2006/relationships" xmlns:p="http://schemas.openxmlformats.org/presentationml/2006/main">
   <p:cSld>
     <p:spTree>

--- a/assets/Presentation_wang_peiyu.pptx
+++ b/assets/Presentation_wang_peiyu.pptx
@@ -8,11 +8,13 @@
     <p:sldId id="256" r:id="rId2"/>
     <p:sldId id="257" r:id="rId3"/>
     <p:sldId id="259" r:id="rId4"/>
-    <p:sldId id="263" r:id="rId5"/>
-    <p:sldId id="258" r:id="rId6"/>
-    <p:sldId id="260" r:id="rId7"/>
-    <p:sldId id="261" r:id="rId8"/>
-    <p:sldId id="262" r:id="rId9"/>
+    <p:sldId id="264" r:id="rId5"/>
+    <p:sldId id="265" r:id="rId6"/>
+    <p:sldId id="263" r:id="rId7"/>
+    <p:sldId id="258" r:id="rId8"/>
+    <p:sldId id="260" r:id="rId9"/>
+    <p:sldId id="261" r:id="rId10"/>
+    <p:sldId id="262" r:id="rId11"/>
   </p:sldIdLst>
   <p:sldSz cx="12192000" cy="6858000"/>
   <p:notesSz cx="6858000" cy="9144000"/>
@@ -3648,6 +3650,104 @@
 </p:sld>
 </file>
 
+<file path=ppt/slides/slide10.xml><?xml version="1.0" encoding="utf-8"?>
+<p:sld xmlns:a="http://schemas.openxmlformats.org/drawingml/2006/main" xmlns:r="http://schemas.openxmlformats.org/officeDocument/2006/relationships" xmlns:p="http://schemas.openxmlformats.org/presentationml/2006/main">
+  <p:cSld>
+    <p:spTree>
+      <p:nvGrpSpPr>
+        <p:cNvPr id="1" name=""/>
+        <p:cNvGrpSpPr/>
+        <p:nvPr/>
+      </p:nvGrpSpPr>
+      <p:grpSpPr>
+        <a:xfrm>
+          <a:off x="0" y="0"/>
+          <a:ext cx="0" cy="0"/>
+          <a:chOff x="0" y="0"/>
+          <a:chExt cx="0" cy="0"/>
+        </a:xfrm>
+      </p:grpSpPr>
+      <p:sp>
+        <p:nvSpPr>
+          <p:cNvPr id="2" name="Title 1">
+            <a:extLst>
+              <a:ext uri="{FF2B5EF4-FFF2-40B4-BE49-F238E27FC236}">
+                <a16:creationId xmlns:a16="http://schemas.microsoft.com/office/drawing/2014/main" id="{17A87586-83F9-CD47-8C42-A86F7B7F98F6}"/>
+              </a:ext>
+            </a:extLst>
+          </p:cNvPr>
+          <p:cNvSpPr>
+            <a:spLocks noGrp="1"/>
+          </p:cNvSpPr>
+          <p:nvPr>
+            <p:ph type="title"/>
+          </p:nvPr>
+        </p:nvSpPr>
+        <p:spPr/>
+        <p:txBody>
+          <a:bodyPr/>
+          <a:lstStyle/>
+          <a:p>
+            <a:r>
+              <a:rPr lang="en-US" dirty="0"/>
+              <a:t>Close</a:t>
+            </a:r>
+          </a:p>
+        </p:txBody>
+      </p:sp>
+      <p:sp>
+        <p:nvSpPr>
+          <p:cNvPr id="3" name="Content Placeholder 2">
+            <a:extLst>
+              <a:ext uri="{FF2B5EF4-FFF2-40B4-BE49-F238E27FC236}">
+                <a16:creationId xmlns:a16="http://schemas.microsoft.com/office/drawing/2014/main" id="{3582F5B6-6822-8E4C-9966-EBC072EFCF3C}"/>
+              </a:ext>
+            </a:extLst>
+          </p:cNvPr>
+          <p:cNvSpPr>
+            <a:spLocks noGrp="1"/>
+          </p:cNvSpPr>
+          <p:nvPr>
+            <p:ph idx="1"/>
+          </p:nvPr>
+        </p:nvSpPr>
+        <p:spPr/>
+        <p:txBody>
+          <a:bodyPr/>
+          <a:lstStyle/>
+          <a:p>
+            <a:r>
+              <a:rPr lang="en-US" dirty="0"/>
+              <a:t>Don’t have a lot of data but it’s less of a problem</a:t>
+            </a:r>
+          </a:p>
+          <a:p>
+            <a:r>
+              <a:rPr lang="en-US" dirty="0"/>
+              <a:t>Case files are hard to be read into CSV files, for encoding issues and also the length</a:t>
+            </a:r>
+          </a:p>
+          <a:p>
+            <a:r>
+              <a:rPr lang="en-US" dirty="0"/>
+              <a:t>They are hard to be analyzed, text analyzing /NLP knowledge may apply</a:t>
+            </a:r>
+          </a:p>
+        </p:txBody>
+      </p:sp>
+    </p:spTree>
+    <p:extLst>
+      <p:ext uri="{BB962C8B-B14F-4D97-AF65-F5344CB8AC3E}">
+        <p14:creationId xmlns:p14="http://schemas.microsoft.com/office/powerpoint/2010/main" val="10975332"/>
+      </p:ext>
+    </p:extLst>
+  </p:cSld>
+  <p:clrMapOvr>
+    <a:masterClrMapping/>
+  </p:clrMapOvr>
+</p:sld>
+</file>
+
 <file path=ppt/slides/slide2.xml><?xml version="1.0" encoding="utf-8"?>
 <p:sld xmlns:a="http://schemas.openxmlformats.org/drawingml/2006/main" xmlns:r="http://schemas.openxmlformats.org/officeDocument/2006/relationships" xmlns:p="http://schemas.openxmlformats.org/presentationml/2006/main">
   <p:cSld>
@@ -3870,6 +3970,180 @@
 </file>
 
 <file path=ppt/slides/slide4.xml><?xml version="1.0" encoding="utf-8"?>
+<p:sld xmlns:a="http://schemas.openxmlformats.org/drawingml/2006/main" xmlns:r="http://schemas.openxmlformats.org/officeDocument/2006/relationships" xmlns:p="http://schemas.openxmlformats.org/presentationml/2006/main">
+  <p:cSld>
+    <p:spTree>
+      <p:nvGrpSpPr>
+        <p:cNvPr id="1" name=""/>
+        <p:cNvGrpSpPr/>
+        <p:nvPr/>
+      </p:nvGrpSpPr>
+      <p:grpSpPr>
+        <a:xfrm>
+          <a:off x="0" y="0"/>
+          <a:ext cx="0" cy="0"/>
+          <a:chOff x="0" y="0"/>
+          <a:chExt cx="0" cy="0"/>
+        </a:xfrm>
+      </p:grpSpPr>
+      <p:sp>
+        <p:nvSpPr>
+          <p:cNvPr id="2" name="Title 1">
+            <a:extLst>
+              <a:ext uri="{FF2B5EF4-FFF2-40B4-BE49-F238E27FC236}">
+                <a16:creationId xmlns:a16="http://schemas.microsoft.com/office/drawing/2014/main" id="{40F2F2A3-2B98-364E-979B-FE4BC3434FA4}"/>
+              </a:ext>
+            </a:extLst>
+          </p:cNvPr>
+          <p:cNvSpPr>
+            <a:spLocks noGrp="1"/>
+          </p:cNvSpPr>
+          <p:nvPr>
+            <p:ph type="title"/>
+          </p:nvPr>
+        </p:nvSpPr>
+        <p:spPr/>
+        <p:txBody>
+          <a:bodyPr/>
+          <a:lstStyle/>
+          <a:p>
+            <a:r>
+              <a:rPr lang="en-US" dirty="0"/>
+              <a:t>Dataset</a:t>
+            </a:r>
+          </a:p>
+        </p:txBody>
+      </p:sp>
+      <p:pic>
+        <p:nvPicPr>
+          <p:cNvPr id="5" name="Content Placeholder 4">
+            <a:extLst>
+              <a:ext uri="{FF2B5EF4-FFF2-40B4-BE49-F238E27FC236}">
+                <a16:creationId xmlns:a16="http://schemas.microsoft.com/office/drawing/2014/main" id="{17BE9F3B-8A6D-6648-BACA-78B8B5A959BC}"/>
+              </a:ext>
+            </a:extLst>
+          </p:cNvPr>
+          <p:cNvPicPr>
+            <a:picLocks noGrp="1" noChangeAspect="1"/>
+          </p:cNvPicPr>
+          <p:nvPr>
+            <p:ph idx="1"/>
+          </p:nvPr>
+        </p:nvPicPr>
+        <p:blipFill>
+          <a:blip r:embed="rId2"/>
+          <a:stretch>
+            <a:fillRect/>
+          </a:stretch>
+        </p:blipFill>
+        <p:spPr>
+          <a:xfrm>
+            <a:off x="3164201" y="2016125"/>
+            <a:ext cx="6177923" cy="3449638"/>
+          </a:xfrm>
+        </p:spPr>
+      </p:pic>
+    </p:spTree>
+    <p:extLst>
+      <p:ext uri="{BB962C8B-B14F-4D97-AF65-F5344CB8AC3E}">
+        <p14:creationId xmlns:p14="http://schemas.microsoft.com/office/powerpoint/2010/main" val="605350826"/>
+      </p:ext>
+    </p:extLst>
+  </p:cSld>
+  <p:clrMapOvr>
+    <a:masterClrMapping/>
+  </p:clrMapOvr>
+</p:sld>
+</file>
+
+<file path=ppt/slides/slide5.xml><?xml version="1.0" encoding="utf-8"?>
+<p:sld xmlns:a="http://schemas.openxmlformats.org/drawingml/2006/main" xmlns:r="http://schemas.openxmlformats.org/officeDocument/2006/relationships" xmlns:p="http://schemas.openxmlformats.org/presentationml/2006/main">
+  <p:cSld>
+    <p:spTree>
+      <p:nvGrpSpPr>
+        <p:cNvPr id="1" name=""/>
+        <p:cNvGrpSpPr/>
+        <p:nvPr/>
+      </p:nvGrpSpPr>
+      <p:grpSpPr>
+        <a:xfrm>
+          <a:off x="0" y="0"/>
+          <a:ext cx="0" cy="0"/>
+          <a:chOff x="0" y="0"/>
+          <a:chExt cx="0" cy="0"/>
+        </a:xfrm>
+      </p:grpSpPr>
+      <p:sp>
+        <p:nvSpPr>
+          <p:cNvPr id="2" name="Title 1">
+            <a:extLst>
+              <a:ext uri="{FF2B5EF4-FFF2-40B4-BE49-F238E27FC236}">
+                <a16:creationId xmlns:a16="http://schemas.microsoft.com/office/drawing/2014/main" id="{41BFBAC5-89C8-1049-97D8-DD89359A40E7}"/>
+              </a:ext>
+            </a:extLst>
+          </p:cNvPr>
+          <p:cNvSpPr>
+            <a:spLocks noGrp="1"/>
+          </p:cNvSpPr>
+          <p:nvPr>
+            <p:ph type="title"/>
+          </p:nvPr>
+        </p:nvSpPr>
+        <p:spPr/>
+        <p:txBody>
+          <a:bodyPr/>
+          <a:lstStyle/>
+          <a:p>
+            <a:r>
+              <a:rPr lang="en-US" dirty="0"/>
+              <a:t>Dataset</a:t>
+            </a:r>
+          </a:p>
+        </p:txBody>
+      </p:sp>
+      <p:pic>
+        <p:nvPicPr>
+          <p:cNvPr id="5" name="Content Placeholder 4">
+            <a:extLst>
+              <a:ext uri="{FF2B5EF4-FFF2-40B4-BE49-F238E27FC236}">
+                <a16:creationId xmlns:a16="http://schemas.microsoft.com/office/drawing/2014/main" id="{E011DE49-0E1A-8948-9C8E-A590DF931C9F}"/>
+              </a:ext>
+            </a:extLst>
+          </p:cNvPr>
+          <p:cNvPicPr>
+            <a:picLocks noGrp="1" noChangeAspect="1"/>
+          </p:cNvPicPr>
+          <p:nvPr>
+            <p:ph idx="1"/>
+          </p:nvPr>
+        </p:nvPicPr>
+        <p:blipFill>
+          <a:blip r:embed="rId2"/>
+          <a:stretch>
+            <a:fillRect/>
+          </a:stretch>
+        </p:blipFill>
+        <p:spPr>
+          <a:xfrm>
+            <a:off x="5072063" y="2016125"/>
+            <a:ext cx="2486025" cy="3449638"/>
+          </a:xfrm>
+        </p:spPr>
+      </p:pic>
+    </p:spTree>
+    <p:extLst>
+      <p:ext uri="{BB962C8B-B14F-4D97-AF65-F5344CB8AC3E}">
+        <p14:creationId xmlns:p14="http://schemas.microsoft.com/office/powerpoint/2010/main" val="859043686"/>
+      </p:ext>
+    </p:extLst>
+  </p:cSld>
+  <p:clrMapOvr>
+    <a:masterClrMapping/>
+  </p:clrMapOvr>
+</p:sld>
+</file>
+
+<file path=ppt/slides/slide6.xml><?xml version="1.0" encoding="utf-8"?>
 <p:sld xmlns:a="http://schemas.openxmlformats.org/drawingml/2006/main" xmlns:r="http://schemas.openxmlformats.org/officeDocument/2006/relationships" xmlns:p="http://schemas.openxmlformats.org/presentationml/2006/main">
   <p:cSld>
     <p:spTree>
@@ -3988,7 +4262,7 @@
 </p:sld>
 </file>
 
-<file path=ppt/slides/slide5.xml><?xml version="1.0" encoding="utf-8"?>
+<file path=ppt/slides/slide7.xml><?xml version="1.0" encoding="utf-8"?>
 <p:sld xmlns:a="http://schemas.openxmlformats.org/drawingml/2006/main" xmlns:r="http://schemas.openxmlformats.org/officeDocument/2006/relationships" xmlns:p="http://schemas.openxmlformats.org/presentationml/2006/main">
   <p:cSld>
     <p:spTree>
@@ -4148,7 +4422,7 @@
 </p:sld>
 </file>
 
-<file path=ppt/slides/slide6.xml><?xml version="1.0" encoding="utf-8"?>
+<file path=ppt/slides/slide8.xml><?xml version="1.0" encoding="utf-8"?>
 <p:sld xmlns:a="http://schemas.openxmlformats.org/drawingml/2006/main" xmlns:r="http://schemas.openxmlformats.org/officeDocument/2006/relationships" xmlns:p="http://schemas.openxmlformats.org/presentationml/2006/main">
   <p:cSld>
     <p:spTree>
@@ -4305,7 +4579,7 @@
 </p:sld>
 </file>
 
-<file path=ppt/slides/slide7.xml><?xml version="1.0" encoding="utf-8"?>
+<file path=ppt/slides/slide9.xml><?xml version="1.0" encoding="utf-8"?>
 <p:sld xmlns:a="http://schemas.openxmlformats.org/drawingml/2006/main" xmlns:r="http://schemas.openxmlformats.org/officeDocument/2006/relationships" xmlns:p="http://schemas.openxmlformats.org/presentationml/2006/main">
   <p:cSld>
     <p:spTree>
@@ -4382,104 +4656,6 @@
     <p:extLst>
       <p:ext uri="{BB962C8B-B14F-4D97-AF65-F5344CB8AC3E}">
         <p14:creationId xmlns:p14="http://schemas.microsoft.com/office/powerpoint/2010/main" val="3224642976"/>
-      </p:ext>
-    </p:extLst>
-  </p:cSld>
-  <p:clrMapOvr>
-    <a:masterClrMapping/>
-  </p:clrMapOvr>
-</p:sld>
-</file>
-
-<file path=ppt/slides/slide8.xml><?xml version="1.0" encoding="utf-8"?>
-<p:sld xmlns:a="http://schemas.openxmlformats.org/drawingml/2006/main" xmlns:r="http://schemas.openxmlformats.org/officeDocument/2006/relationships" xmlns:p="http://schemas.openxmlformats.org/presentationml/2006/main">
-  <p:cSld>
-    <p:spTree>
-      <p:nvGrpSpPr>
-        <p:cNvPr id="1" name=""/>
-        <p:cNvGrpSpPr/>
-        <p:nvPr/>
-      </p:nvGrpSpPr>
-      <p:grpSpPr>
-        <a:xfrm>
-          <a:off x="0" y="0"/>
-          <a:ext cx="0" cy="0"/>
-          <a:chOff x="0" y="0"/>
-          <a:chExt cx="0" cy="0"/>
-        </a:xfrm>
-      </p:grpSpPr>
-      <p:sp>
-        <p:nvSpPr>
-          <p:cNvPr id="2" name="Title 1">
-            <a:extLst>
-              <a:ext uri="{FF2B5EF4-FFF2-40B4-BE49-F238E27FC236}">
-                <a16:creationId xmlns:a16="http://schemas.microsoft.com/office/drawing/2014/main" id="{17A87586-83F9-CD47-8C42-A86F7B7F98F6}"/>
-              </a:ext>
-            </a:extLst>
-          </p:cNvPr>
-          <p:cNvSpPr>
-            <a:spLocks noGrp="1"/>
-          </p:cNvSpPr>
-          <p:nvPr>
-            <p:ph type="title"/>
-          </p:nvPr>
-        </p:nvSpPr>
-        <p:spPr/>
-        <p:txBody>
-          <a:bodyPr/>
-          <a:lstStyle/>
-          <a:p>
-            <a:r>
-              <a:rPr lang="en-US" dirty="0"/>
-              <a:t>Close</a:t>
-            </a:r>
-          </a:p>
-        </p:txBody>
-      </p:sp>
-      <p:sp>
-        <p:nvSpPr>
-          <p:cNvPr id="3" name="Content Placeholder 2">
-            <a:extLst>
-              <a:ext uri="{FF2B5EF4-FFF2-40B4-BE49-F238E27FC236}">
-                <a16:creationId xmlns:a16="http://schemas.microsoft.com/office/drawing/2014/main" id="{3582F5B6-6822-8E4C-9966-EBC072EFCF3C}"/>
-              </a:ext>
-            </a:extLst>
-          </p:cNvPr>
-          <p:cNvSpPr>
-            <a:spLocks noGrp="1"/>
-          </p:cNvSpPr>
-          <p:nvPr>
-            <p:ph idx="1"/>
-          </p:nvPr>
-        </p:nvSpPr>
-        <p:spPr/>
-        <p:txBody>
-          <a:bodyPr/>
-          <a:lstStyle/>
-          <a:p>
-            <a:r>
-              <a:rPr lang="en-US" dirty="0"/>
-              <a:t>Don’t have a lot of data but it’s less of a problem</a:t>
-            </a:r>
-          </a:p>
-          <a:p>
-            <a:r>
-              <a:rPr lang="en-US" dirty="0"/>
-              <a:t>Case files are hard to be read into CSV files, for encoding issues and also the length</a:t>
-            </a:r>
-          </a:p>
-          <a:p>
-            <a:r>
-              <a:rPr lang="en-US" dirty="0"/>
-              <a:t>They are hard to be analyzed, text analyzing /NLP knowledge may apply</a:t>
-            </a:r>
-          </a:p>
-        </p:txBody>
-      </p:sp>
-    </p:spTree>
-    <p:extLst>
-      <p:ext uri="{BB962C8B-B14F-4D97-AF65-F5344CB8AC3E}">
-        <p14:creationId xmlns:p14="http://schemas.microsoft.com/office/powerpoint/2010/main" val="10975332"/>
       </p:ext>
     </p:extLst>
   </p:cSld>

--- a/assets/Presentation_wang_peiyu.pptx
+++ b/assets/Presentation_wang_peiyu.pptx
@@ -4125,8 +4125,8 @@
         </p:blipFill>
         <p:spPr>
           <a:xfrm>
-            <a:off x="5072063" y="2016125"/>
-            <a:ext cx="2486025" cy="3449638"/>
+            <a:off x="5186843" y="2016125"/>
+            <a:ext cx="2132639" cy="3449638"/>
           </a:xfrm>
         </p:spPr>
       </p:pic>

--- a/assets/Presentation_wang_peiyu.pptx
+++ b/assets/Presentation_wang_peiyu.pptx
@@ -3815,14 +3815,12 @@
           <a:lstStyle/>
           <a:p>
             <a:r>
-              <a:rPr lang="en-US" dirty="0"/>
-              <a:t>I am very legal inclined</a:t>
-            </a:r>
-          </a:p>
-          <a:p>
-            <a:r>
-              <a:rPr lang="en-US" dirty="0"/>
-              <a:t>American has Common Law System</a:t>
+              <a:rPr lang="en-US"/>
+              <a:t>American </a:t>
+            </a:r>
+            <a:r>
+              <a:rPr lang="en-US" dirty="0"/>
+              <a:t>has Common Law System</a:t>
             </a:r>
           </a:p>
           <a:p>
